--- a/plantilla.pptx
+++ b/plantilla.pptx
@@ -5,11 +5,12 @@
     <p:sldMasterId id="2147483648" r:id="rId1"/>
   </p:sldMasterIdLst>
   <p:notesMasterIdLst>
-    <p:notesMasterId r:id="rId4"/>
+    <p:notesMasterId r:id="rId5"/>
   </p:notesMasterIdLst>
   <p:sldIdLst>
     <p:sldId id="294" r:id="rId2"/>
     <p:sldId id="326" r:id="rId3"/>
+    <p:sldId id="327" r:id="rId4"/>
   </p:sldIdLst>
   <p:sldSz cx="12192000" cy="6858000"/>
   <p:notesSz cx="6858000" cy="9144000"/>
@@ -564,6 +565,90 @@
     <p:extLst>
       <p:ext uri="{BB962C8B-B14F-4D97-AF65-F5344CB8AC3E}">
         <p14:creationId xmlns:p14="http://schemas.microsoft.com/office/powerpoint/2010/main" val="2431139541"/>
+      </p:ext>
+    </p:extLst>
+  </p:cSld>
+  <p:clrMapOvr>
+    <a:masterClrMapping/>
+  </p:clrMapOvr>
+</p:notes>
+</file>
+
+<file path=ppt/notesSlides/notesSlide2.xml><?xml version="1.0" encoding="utf-8"?>
+<p:notes xmlns:a="http://schemas.openxmlformats.org/drawingml/2006/main" xmlns:r="http://schemas.openxmlformats.org/officeDocument/2006/relationships" xmlns:p="http://schemas.openxmlformats.org/presentationml/2006/main">
+  <p:cSld>
+    <p:spTree>
+      <p:nvGrpSpPr>
+        <p:cNvPr id="1" name=""/>
+        <p:cNvGrpSpPr/>
+        <p:nvPr/>
+      </p:nvGrpSpPr>
+      <p:grpSpPr>
+        <a:xfrm>
+          <a:off x="0" y="0"/>
+          <a:ext cx="0" cy="0"/>
+          <a:chOff x="0" y="0"/>
+          <a:chExt cx="0" cy="0"/>
+        </a:xfrm>
+      </p:grpSpPr>
+      <p:sp>
+        <p:nvSpPr>
+          <p:cNvPr id="2" name="Marcador de imagen de diapositiva 1"/>
+          <p:cNvSpPr>
+            <a:spLocks noGrp="1" noRot="1" noChangeAspect="1"/>
+          </p:cNvSpPr>
+          <p:nvPr>
+            <p:ph type="sldImg"/>
+          </p:nvPr>
+        </p:nvSpPr>
+        <p:spPr/>
+      </p:sp>
+      <p:sp>
+        <p:nvSpPr>
+          <p:cNvPr id="3" name="Marcador de notas 2"/>
+          <p:cNvSpPr>
+            <a:spLocks noGrp="1"/>
+          </p:cNvSpPr>
+          <p:nvPr>
+            <p:ph type="body" idx="1"/>
+          </p:nvPr>
+        </p:nvSpPr>
+        <p:spPr/>
+        <p:txBody>
+          <a:bodyPr/>
+          <a:lstStyle/>
+          <a:p>
+            <a:endParaRPr lang="es-ES"/>
+          </a:p>
+        </p:txBody>
+      </p:sp>
+      <p:sp>
+        <p:nvSpPr>
+          <p:cNvPr id="4" name="Marcador de número de diapositiva 3"/>
+          <p:cNvSpPr>
+            <a:spLocks noGrp="1"/>
+          </p:cNvSpPr>
+          <p:nvPr>
+            <p:ph type="sldNum" sz="quarter" idx="5"/>
+          </p:nvPr>
+        </p:nvSpPr>
+        <p:spPr/>
+        <p:txBody>
+          <a:bodyPr/>
+          <a:lstStyle/>
+          <a:p>
+            <a:fld id="{79E5BFC1-642C-714E-A017-257147E4A516}" type="slidenum">
+              <a:rPr lang="es-ES"/>
+              <a:t>3</a:t>
+            </a:fld>
+            <a:endParaRPr lang="es-ES"/>
+          </a:p>
+        </p:txBody>
+      </p:sp>
+    </p:spTree>
+    <p:extLst>
+      <p:ext uri="{BB962C8B-B14F-4D97-AF65-F5344CB8AC3E}">
+        <p14:creationId xmlns:p14="http://schemas.microsoft.com/office/powerpoint/2010/main" val="1202887332"/>
       </p:ext>
     </p:extLst>
   </p:cSld>
@@ -4818,6 +4903,278 @@
     <p:extLst>
       <p:ext uri="{BB962C8B-B14F-4D97-AF65-F5344CB8AC3E}">
         <p14:creationId xmlns:p14="http://schemas.microsoft.com/office/powerpoint/2010/main" val="3994578730"/>
+      </p:ext>
+    </p:extLst>
+  </p:cSld>
+  <p:clrMapOvr>
+    <a:masterClrMapping/>
+  </p:clrMapOvr>
+</p:sld>
+</file>
+
+<file path=ppt/slides/slide3.xml><?xml version="1.0" encoding="utf-8"?>
+<p:sld xmlns:a="http://schemas.openxmlformats.org/drawingml/2006/main" xmlns:r="http://schemas.openxmlformats.org/officeDocument/2006/relationships" xmlns:p="http://schemas.openxmlformats.org/presentationml/2006/main">
+  <p:cSld>
+    <p:spTree>
+      <p:nvGrpSpPr>
+        <p:cNvPr id="1" name=""/>
+        <p:cNvGrpSpPr/>
+        <p:nvPr/>
+      </p:nvGrpSpPr>
+      <p:grpSpPr>
+        <a:xfrm>
+          <a:off x="0" y="0"/>
+          <a:ext cx="0" cy="0"/>
+          <a:chOff x="0" y="0"/>
+          <a:chExt cx="0" cy="0"/>
+        </a:xfrm>
+      </p:grpSpPr>
+      <p:sp>
+        <p:nvSpPr>
+          <p:cNvPr id="2" name="Google Shape;33;p6">
+            <a:extLst>
+              <a:ext uri="{FF2B5EF4-FFF2-40B4-BE49-F238E27FC236}">
+                <a16:creationId xmlns:a16="http://schemas.microsoft.com/office/drawing/2014/main" id="{24DE90CE-0690-B7F8-F0B8-C0FE92B976B2}"/>
+              </a:ext>
+            </a:extLst>
+          </p:cNvPr>
+          <p:cNvSpPr txBox="1"/>
+          <p:nvPr/>
+        </p:nvSpPr>
+        <p:spPr>
+          <a:xfrm>
+            <a:off x="-6047" y="0"/>
+            <a:ext cx="12202886" cy="374700"/>
+          </a:xfrm>
+          <a:prstGeom prst="rect">
+            <a:avLst/>
+          </a:prstGeom>
+          <a:solidFill>
+            <a:srgbClr val="A70C2F"/>
+          </a:solidFill>
+          <a:ln>
+            <a:noFill/>
+          </a:ln>
+        </p:spPr>
+        <p:txBody>
+          <a:bodyPr spcFirstLastPara="1" wrap="square" lIns="91425" tIns="45700" rIns="91425" bIns="45700" anchor="t" anchorCtr="0">
+            <a:noAutofit/>
+          </a:bodyPr>
+          <a:lstStyle/>
+          <a:p>
+            <a:pPr marL="0" marR="0" lvl="0" indent="0" algn="r" rtl="0">
+              <a:spcBef>
+                <a:spcPts val="0"/>
+              </a:spcBef>
+              <a:spcAft>
+                <a:spcPts val="0"/>
+              </a:spcAft>
+              <a:buNone/>
+            </a:pPr>
+            <a:endParaRPr sz="1200" b="0" i="0" u="none" strike="noStrike" cap="none">
+              <a:solidFill>
+                <a:srgbClr val="FFFFFF"/>
+              </a:solidFill>
+              <a:latin typeface="Calibri"/>
+              <a:ea typeface="Calibri"/>
+              <a:cs typeface="Calibri"/>
+              <a:sym typeface="Calibri"/>
+            </a:endParaRPr>
+          </a:p>
+        </p:txBody>
+      </p:sp>
+      <p:sp>
+        <p:nvSpPr>
+          <p:cNvPr id="3" name="Google Shape;57;p8">
+            <a:extLst>
+              <a:ext uri="{FF2B5EF4-FFF2-40B4-BE49-F238E27FC236}">
+                <a16:creationId xmlns:a16="http://schemas.microsoft.com/office/drawing/2014/main" id="{79D9D419-FA32-F614-A86C-603082D69211}"/>
+              </a:ext>
+            </a:extLst>
+          </p:cNvPr>
+          <p:cNvSpPr txBox="1"/>
+          <p:nvPr/>
+        </p:nvSpPr>
+        <p:spPr>
+          <a:xfrm>
+            <a:off x="352526" y="550203"/>
+            <a:ext cx="8360973" cy="800189"/>
+          </a:xfrm>
+          <a:prstGeom prst="rect">
+            <a:avLst/>
+          </a:prstGeom>
+          <a:noFill/>
+          <a:ln>
+            <a:noFill/>
+          </a:ln>
+        </p:spPr>
+        <p:txBody>
+          <a:bodyPr spcFirstLastPara="1" wrap="square" lIns="91425" tIns="91425" rIns="91425" bIns="91425" anchor="t" anchorCtr="0">
+            <a:spAutoFit/>
+          </a:bodyPr>
+          <a:lstStyle/>
+          <a:p>
+            <a:r>
+              <a:rPr lang="es-ES" sz="4000">
+                <a:latin typeface="Calibri"/>
+                <a:ea typeface="Calibri"/>
+                <a:cs typeface="Calibri"/>
+                <a:sym typeface="Calibri"/>
+              </a:rPr>
+              <a:t>Roadmap</a:t>
+            </a:r>
+            <a:endParaRPr sz="3000">
+              <a:latin typeface="Calibri"/>
+              <a:ea typeface="Calibri"/>
+              <a:cs typeface="Calibri"/>
+              <a:sym typeface="Calibri"/>
+            </a:endParaRPr>
+          </a:p>
+        </p:txBody>
+      </p:sp>
+      <p:sp>
+        <p:nvSpPr>
+          <p:cNvPr id="4" name="Google Shape;33;p6">
+            <a:extLst>
+              <a:ext uri="{FF2B5EF4-FFF2-40B4-BE49-F238E27FC236}">
+                <a16:creationId xmlns:a16="http://schemas.microsoft.com/office/drawing/2014/main" id="{A260BA3F-2BE9-B50F-1553-D3F1D7D2F72A}"/>
+              </a:ext>
+            </a:extLst>
+          </p:cNvPr>
+          <p:cNvSpPr txBox="1"/>
+          <p:nvPr/>
+        </p:nvSpPr>
+        <p:spPr>
+          <a:xfrm>
+            <a:off x="-11490" y="6529100"/>
+            <a:ext cx="12202886" cy="343910"/>
+          </a:xfrm>
+          <a:prstGeom prst="rect">
+            <a:avLst/>
+          </a:prstGeom>
+          <a:solidFill>
+            <a:srgbClr val="A70C2F"/>
+          </a:solidFill>
+          <a:ln>
+            <a:noFill/>
+          </a:ln>
+        </p:spPr>
+        <p:txBody>
+          <a:bodyPr spcFirstLastPara="1" wrap="square" lIns="91425" tIns="45700" rIns="91425" bIns="45700" anchor="t" anchorCtr="0">
+            <a:noAutofit/>
+          </a:bodyPr>
+          <a:lstStyle/>
+          <a:p>
+            <a:pPr marL="0" marR="0" lvl="0" indent="0" algn="r" rtl="0">
+              <a:spcBef>
+                <a:spcPts val="0"/>
+              </a:spcBef>
+              <a:spcAft>
+                <a:spcPts val="0"/>
+              </a:spcAft>
+              <a:buNone/>
+            </a:pPr>
+            <a:endParaRPr sz="1200" b="0" i="0" u="none" strike="noStrike" cap="none">
+              <a:solidFill>
+                <a:srgbClr val="FFFFFF"/>
+              </a:solidFill>
+              <a:latin typeface="Calibri"/>
+              <a:ea typeface="Calibri"/>
+              <a:cs typeface="Calibri"/>
+              <a:sym typeface="Calibri"/>
+            </a:endParaRPr>
+          </a:p>
+        </p:txBody>
+      </p:sp>
+      <p:sp>
+        <p:nvSpPr>
+          <p:cNvPr id="5" name="CuadroTexto 4">
+            <a:extLst>
+              <a:ext uri="{FF2B5EF4-FFF2-40B4-BE49-F238E27FC236}">
+                <a16:creationId xmlns:a16="http://schemas.microsoft.com/office/drawing/2014/main" id="{E64F10A5-716D-E4C5-BBC7-3751C9793D21}"/>
+              </a:ext>
+            </a:extLst>
+          </p:cNvPr>
+          <p:cNvSpPr txBox="1"/>
+          <p:nvPr/>
+        </p:nvSpPr>
+        <p:spPr>
+          <a:xfrm>
+            <a:off x="302015" y="6521816"/>
+            <a:ext cx="9385014" cy="338554"/>
+          </a:xfrm>
+          <a:prstGeom prst="rect">
+            <a:avLst/>
+          </a:prstGeom>
+          <a:noFill/>
+        </p:spPr>
+        <p:txBody>
+          <a:bodyPr wrap="square">
+            <a:spAutoFit/>
+          </a:bodyPr>
+          <a:lstStyle/>
+          <a:p>
+            <a:r>
+              <a:rPr lang="es-ES" sz="1600">
+                <a:solidFill>
+                  <a:schemeClr val="bg1"/>
+                </a:solidFill>
+                <a:latin typeface="Calibri" panose="020F0502020204030204" pitchFamily="34" charset="0"/>
+                <a:ea typeface="Calibri" panose="020F0502020204030204" pitchFamily="34" charset="0"/>
+                <a:cs typeface="Calibri" panose="020F0502020204030204" pitchFamily="34" charset="0"/>
+              </a:rPr>
+              <a:t>#main_title</a:t>
+            </a:r>
+          </a:p>
+        </p:txBody>
+      </p:sp>
+      <p:sp>
+        <p:nvSpPr>
+          <p:cNvPr id="8" name="Google Shape;57;p8">
+            <a:extLst>
+              <a:ext uri="{FF2B5EF4-FFF2-40B4-BE49-F238E27FC236}">
+                <a16:creationId xmlns:a16="http://schemas.microsoft.com/office/drawing/2014/main" id="{A80284A9-9FAA-7144-39C9-5E8025C178D5}"/>
+              </a:ext>
+            </a:extLst>
+          </p:cNvPr>
+          <p:cNvSpPr txBox="1"/>
+          <p:nvPr/>
+        </p:nvSpPr>
+        <p:spPr>
+          <a:xfrm>
+            <a:off x="1055688" y="1420604"/>
+            <a:ext cx="8360973" cy="646300"/>
+          </a:xfrm>
+          <a:prstGeom prst="rect">
+            <a:avLst/>
+          </a:prstGeom>
+          <a:noFill/>
+          <a:ln>
+            <a:noFill/>
+          </a:ln>
+        </p:spPr>
+        <p:txBody>
+          <a:bodyPr spcFirstLastPara="1" wrap="square" lIns="91425" tIns="91425" rIns="91425" bIns="91425" anchor="t" anchorCtr="0">
+            <a:spAutoFit/>
+          </a:bodyPr>
+          <a:lstStyle/>
+          <a:p>
+            <a:r>
+              <a:rPr lang="es-ES" sz="3000">
+                <a:latin typeface="Calibri"/>
+                <a:ea typeface="Calibri"/>
+                <a:cs typeface="Calibri"/>
+                <a:sym typeface="Calibri"/>
+              </a:rPr>
+              <a:t>#item_list</a:t>
+            </a:r>
+          </a:p>
+        </p:txBody>
+      </p:sp>
+    </p:spTree>
+    <p:extLst>
+      <p:ext uri="{BB962C8B-B14F-4D97-AF65-F5344CB8AC3E}">
+        <p14:creationId xmlns:p14="http://schemas.microsoft.com/office/powerpoint/2010/main" val="2682430629"/>
       </p:ext>
     </p:extLst>
   </p:cSld>

--- a/plantilla.pptx
+++ b/plantilla.pptx
@@ -9,8 +9,8 @@
   </p:notesMasterIdLst>
   <p:sldIdLst>
     <p:sldId id="294" r:id="rId2"/>
-    <p:sldId id="326" r:id="rId3"/>
-    <p:sldId id="327" r:id="rId4"/>
+    <p:sldId id="327" r:id="rId3"/>
+    <p:sldId id="326" r:id="rId4"/>
   </p:sldIdLst>
   <p:sldSz cx="12192000" cy="6858000"/>
   <p:notesSz cx="6858000" cy="9144000"/>
@@ -564,7 +564,7 @@
     </p:spTree>
     <p:extLst>
       <p:ext uri="{BB962C8B-B14F-4D97-AF65-F5344CB8AC3E}">
-        <p14:creationId xmlns:p14="http://schemas.microsoft.com/office/powerpoint/2010/main" val="2431139541"/>
+        <p14:creationId xmlns:p14="http://schemas.microsoft.com/office/powerpoint/2010/main" val="1202887332"/>
       </p:ext>
     </p:extLst>
   </p:cSld>
@@ -648,7 +648,7 @@
     </p:spTree>
     <p:extLst>
       <p:ext uri="{BB962C8B-B14F-4D97-AF65-F5344CB8AC3E}">
-        <p14:creationId xmlns:p14="http://schemas.microsoft.com/office/powerpoint/2010/main" val="1202887332"/>
+        <p14:creationId xmlns:p14="http://schemas.microsoft.com/office/powerpoint/2010/main" val="2431139541"/>
       </p:ext>
     </p:extLst>
   </p:cSld>
@@ -4644,7 +4644,7 @@
         <p:spPr>
           <a:xfrm>
             <a:off x="352526" y="550203"/>
-            <a:ext cx="8360973" cy="1262100"/>
+            <a:ext cx="8360973" cy="800189"/>
           </a:xfrm>
           <a:prstGeom prst="rect">
             <a:avLst/>
@@ -4667,24 +4667,7 @@
                 <a:cs typeface="Calibri"/>
                 <a:sym typeface="Calibri"/>
               </a:rPr>
-              <a:t>#section_title</a:t>
-            </a:r>
-            <a:endParaRPr sz="4000">
-              <a:latin typeface="Calibri"/>
-              <a:ea typeface="Calibri"/>
-              <a:cs typeface="Calibri"/>
-              <a:sym typeface="Calibri"/>
-            </a:endParaRPr>
-          </a:p>
-          <a:p>
-            <a:r>
-              <a:rPr lang="es-ES" sz="3000">
-                <a:latin typeface="Calibri"/>
-                <a:ea typeface="Calibri"/>
-                <a:cs typeface="Calibri"/>
-                <a:sym typeface="Calibri"/>
-              </a:rPr>
-              <a:t>#section_subtitle</a:t>
+              <a:t>Roadmap</a:t>
             </a:r>
             <a:endParaRPr sz="3000">
               <a:latin typeface="Calibri"/>
@@ -4710,7 +4693,7 @@
         <p:spPr>
           <a:xfrm>
             <a:off x="-11490" y="6529100"/>
-            <a:ext cx="11348500" cy="343910"/>
+            <a:ext cx="12202886" cy="343910"/>
           </a:xfrm>
           <a:prstGeom prst="rect">
             <a:avLst/>
@@ -4751,58 +4734,6 @@
       </p:sp>
       <p:sp>
         <p:nvSpPr>
-          <p:cNvPr id="6" name="Elipse 5">
-            <a:extLst>
-              <a:ext uri="{FF2B5EF4-FFF2-40B4-BE49-F238E27FC236}">
-                <a16:creationId xmlns:a16="http://schemas.microsoft.com/office/drawing/2014/main" id="{A21EC5A5-23EA-60FD-46B7-7FAD7834D26E}"/>
-              </a:ext>
-            </a:extLst>
-          </p:cNvPr>
-          <p:cNvSpPr/>
-          <p:nvPr/>
-        </p:nvSpPr>
-        <p:spPr>
-          <a:xfrm>
-            <a:off x="10852690" y="5972624"/>
-            <a:ext cx="1413790" cy="1263153"/>
-          </a:xfrm>
-          <a:prstGeom prst="ellipse">
-            <a:avLst/>
-          </a:prstGeom>
-          <a:solidFill>
-            <a:srgbClr val="A80C30"/>
-          </a:solidFill>
-          <a:ln>
-            <a:noFill/>
-          </a:ln>
-        </p:spPr>
-        <p:style>
-          <a:lnRef idx="2">
-            <a:schemeClr val="accent1">
-              <a:shade val="50000"/>
-            </a:schemeClr>
-          </a:lnRef>
-          <a:fillRef idx="1">
-            <a:schemeClr val="accent1"/>
-          </a:fillRef>
-          <a:effectRef idx="0">
-            <a:schemeClr val="accent1"/>
-          </a:effectRef>
-          <a:fontRef idx="minor">
-            <a:schemeClr val="lt1"/>
-          </a:fontRef>
-        </p:style>
-        <p:txBody>
-          <a:bodyPr rtlCol="0" anchor="ctr"/>
-          <a:lstStyle/>
-          <a:p>
-            <a:pPr algn="ctr"/>
-            <a:endParaRPr lang="es-ES"/>
-          </a:p>
-        </p:txBody>
-      </p:sp>
-      <p:sp>
-        <p:nvSpPr>
           <p:cNvPr id="5" name="CuadroTexto 4">
             <a:extLst>
               <a:ext uri="{FF2B5EF4-FFF2-40B4-BE49-F238E27FC236}">
@@ -4845,10 +4776,10 @@
       </p:sp>
       <p:sp>
         <p:nvSpPr>
-          <p:cNvPr id="7" name="Google Shape;170;p17">
-            <a:extLst>
-              <a:ext uri="{FF2B5EF4-FFF2-40B4-BE49-F238E27FC236}">
-                <a16:creationId xmlns:a16="http://schemas.microsoft.com/office/drawing/2014/main" id="{27080597-2E99-61C9-2277-0BE143507FA1}"/>
+          <p:cNvPr id="8" name="Google Shape;57;p8">
+            <a:extLst>
+              <a:ext uri="{FF2B5EF4-FFF2-40B4-BE49-F238E27FC236}">
+                <a16:creationId xmlns:a16="http://schemas.microsoft.com/office/drawing/2014/main" id="{A80284A9-9FAA-7144-39C9-5E8025C178D5}"/>
               </a:ext>
             </a:extLst>
           </p:cNvPr>
@@ -4857,8 +4788,8 @@
         </p:nvSpPr>
         <p:spPr>
           <a:xfrm>
-            <a:off x="10927171" y="6263662"/>
-            <a:ext cx="1264829" cy="954077"/>
+            <a:off x="1055688" y="1420604"/>
+            <a:ext cx="8360973" cy="646300"/>
           </a:xfrm>
           <a:prstGeom prst="rect">
             <a:avLst/>
@@ -4874,35 +4805,22 @@
           </a:bodyPr>
           <a:lstStyle/>
           <a:p>
-            <a:pPr algn="ctr"/>
-            <a:r>
-              <a:rPr lang="es-ES" sz="2500" b="1">
-                <a:solidFill>
-                  <a:srgbClr val="F3F3F3"/>
-                </a:solidFill>
+            <a:r>
+              <a:rPr lang="es-ES" sz="3000">
                 <a:latin typeface="Calibri"/>
                 <a:ea typeface="Calibri"/>
                 <a:cs typeface="Calibri"/>
                 <a:sym typeface="Calibri"/>
               </a:rPr>
-              <a:t>#slide_number</a:t>
-            </a:r>
-            <a:endParaRPr sz="2500" b="1">
-              <a:solidFill>
-                <a:srgbClr val="F3F3F3"/>
-              </a:solidFill>
-              <a:latin typeface="Calibri"/>
-              <a:ea typeface="Calibri"/>
-              <a:cs typeface="Calibri"/>
-              <a:sym typeface="Calibri"/>
-            </a:endParaRPr>
+              <a:t>#item_list</a:t>
+            </a:r>
           </a:p>
         </p:txBody>
       </p:sp>
     </p:spTree>
     <p:extLst>
       <p:ext uri="{BB962C8B-B14F-4D97-AF65-F5344CB8AC3E}">
-        <p14:creationId xmlns:p14="http://schemas.microsoft.com/office/powerpoint/2010/main" val="3994578730"/>
+        <p14:creationId xmlns:p14="http://schemas.microsoft.com/office/powerpoint/2010/main" val="2682430629"/>
       </p:ext>
     </p:extLst>
   </p:cSld>
@@ -4998,7 +4916,7 @@
         <p:spPr>
           <a:xfrm>
             <a:off x="352526" y="550203"/>
-            <a:ext cx="8360973" cy="800189"/>
+            <a:ext cx="8360973" cy="1262100"/>
           </a:xfrm>
           <a:prstGeom prst="rect">
             <a:avLst/>
@@ -5021,7 +4939,24 @@
                 <a:cs typeface="Calibri"/>
                 <a:sym typeface="Calibri"/>
               </a:rPr>
-              <a:t>Roadmap</a:t>
+              <a:t>#section_title</a:t>
+            </a:r>
+            <a:endParaRPr sz="4000">
+              <a:latin typeface="Calibri"/>
+              <a:ea typeface="Calibri"/>
+              <a:cs typeface="Calibri"/>
+              <a:sym typeface="Calibri"/>
+            </a:endParaRPr>
+          </a:p>
+          <a:p>
+            <a:r>
+              <a:rPr lang="es-ES" sz="3000">
+                <a:latin typeface="Calibri"/>
+                <a:ea typeface="Calibri"/>
+                <a:cs typeface="Calibri"/>
+                <a:sym typeface="Calibri"/>
+              </a:rPr>
+              <a:t>#section_subtitle</a:t>
             </a:r>
             <a:endParaRPr sz="3000">
               <a:latin typeface="Calibri"/>
@@ -5047,7 +4982,7 @@
         <p:spPr>
           <a:xfrm>
             <a:off x="-11490" y="6529100"/>
-            <a:ext cx="12202886" cy="343910"/>
+            <a:ext cx="11348500" cy="343910"/>
           </a:xfrm>
           <a:prstGeom prst="rect">
             <a:avLst/>
@@ -5088,6 +5023,58 @@
       </p:sp>
       <p:sp>
         <p:nvSpPr>
+          <p:cNvPr id="6" name="Elipse 5">
+            <a:extLst>
+              <a:ext uri="{FF2B5EF4-FFF2-40B4-BE49-F238E27FC236}">
+                <a16:creationId xmlns:a16="http://schemas.microsoft.com/office/drawing/2014/main" id="{A21EC5A5-23EA-60FD-46B7-7FAD7834D26E}"/>
+              </a:ext>
+            </a:extLst>
+          </p:cNvPr>
+          <p:cNvSpPr/>
+          <p:nvPr/>
+        </p:nvSpPr>
+        <p:spPr>
+          <a:xfrm>
+            <a:off x="10852690" y="5972624"/>
+            <a:ext cx="1413790" cy="1263153"/>
+          </a:xfrm>
+          <a:prstGeom prst="ellipse">
+            <a:avLst/>
+          </a:prstGeom>
+          <a:solidFill>
+            <a:srgbClr val="A80C30"/>
+          </a:solidFill>
+          <a:ln>
+            <a:noFill/>
+          </a:ln>
+        </p:spPr>
+        <p:style>
+          <a:lnRef idx="2">
+            <a:schemeClr val="accent1">
+              <a:shade val="50000"/>
+            </a:schemeClr>
+          </a:lnRef>
+          <a:fillRef idx="1">
+            <a:schemeClr val="accent1"/>
+          </a:fillRef>
+          <a:effectRef idx="0">
+            <a:schemeClr val="accent1"/>
+          </a:effectRef>
+          <a:fontRef idx="minor">
+            <a:schemeClr val="lt1"/>
+          </a:fontRef>
+        </p:style>
+        <p:txBody>
+          <a:bodyPr rtlCol="0" anchor="ctr"/>
+          <a:lstStyle/>
+          <a:p>
+            <a:pPr algn="ctr"/>
+            <a:endParaRPr lang="es-ES"/>
+          </a:p>
+        </p:txBody>
+      </p:sp>
+      <p:sp>
+        <p:nvSpPr>
           <p:cNvPr id="5" name="CuadroTexto 4">
             <a:extLst>
               <a:ext uri="{FF2B5EF4-FFF2-40B4-BE49-F238E27FC236}">
@@ -5130,10 +5117,10 @@
       </p:sp>
       <p:sp>
         <p:nvSpPr>
-          <p:cNvPr id="8" name="Google Shape;57;p8">
-            <a:extLst>
-              <a:ext uri="{FF2B5EF4-FFF2-40B4-BE49-F238E27FC236}">
-                <a16:creationId xmlns:a16="http://schemas.microsoft.com/office/drawing/2014/main" id="{A80284A9-9FAA-7144-39C9-5E8025C178D5}"/>
+          <p:cNvPr id="7" name="Google Shape;170;p17">
+            <a:extLst>
+              <a:ext uri="{FF2B5EF4-FFF2-40B4-BE49-F238E27FC236}">
+                <a16:creationId xmlns:a16="http://schemas.microsoft.com/office/drawing/2014/main" id="{27080597-2E99-61C9-2277-0BE143507FA1}"/>
               </a:ext>
             </a:extLst>
           </p:cNvPr>
@@ -5142,8 +5129,8 @@
         </p:nvSpPr>
         <p:spPr>
           <a:xfrm>
-            <a:off x="1055688" y="1420604"/>
-            <a:ext cx="8360973" cy="646300"/>
+            <a:off x="10927171" y="6263662"/>
+            <a:ext cx="1264829" cy="954077"/>
           </a:xfrm>
           <a:prstGeom prst="rect">
             <a:avLst/>
@@ -5159,22 +5146,35 @@
           </a:bodyPr>
           <a:lstStyle/>
           <a:p>
-            <a:r>
-              <a:rPr lang="es-ES" sz="3000">
+            <a:pPr algn="ctr"/>
+            <a:r>
+              <a:rPr lang="es-ES" sz="2500" b="1">
+                <a:solidFill>
+                  <a:srgbClr val="F3F3F3"/>
+                </a:solidFill>
                 <a:latin typeface="Calibri"/>
                 <a:ea typeface="Calibri"/>
                 <a:cs typeface="Calibri"/>
                 <a:sym typeface="Calibri"/>
               </a:rPr>
-              <a:t>#item_list</a:t>
-            </a:r>
+              <a:t>#slide_number</a:t>
+            </a:r>
+            <a:endParaRPr sz="2500" b="1">
+              <a:solidFill>
+                <a:srgbClr val="F3F3F3"/>
+              </a:solidFill>
+              <a:latin typeface="Calibri"/>
+              <a:ea typeface="Calibri"/>
+              <a:cs typeface="Calibri"/>
+              <a:sym typeface="Calibri"/>
+            </a:endParaRPr>
           </a:p>
         </p:txBody>
       </p:sp>
     </p:spTree>
     <p:extLst>
       <p:ext uri="{BB962C8B-B14F-4D97-AF65-F5344CB8AC3E}">
-        <p14:creationId xmlns:p14="http://schemas.microsoft.com/office/powerpoint/2010/main" val="2682430629"/>
+        <p14:creationId xmlns:p14="http://schemas.microsoft.com/office/powerpoint/2010/main" val="3994578730"/>
       </p:ext>
     </p:extLst>
   </p:cSld>

--- a/plantilla.pptx
+++ b/plantilla.pptx
@@ -139,6 +139,20 @@
         </p15:guide>
       </p15:sldGuideLst>
     </p:ext>
+    <p:ext uri="{2D200454-40CA-4A62-9FC3-DE9A4176ACB9}">
+      <p15:notesGuideLst xmlns:p15="http://schemas.microsoft.com/office/powerpoint/2012/main">
+        <p15:guide id="1" orient="horz" pos="2880" userDrawn="1">
+          <p15:clr>
+            <a:srgbClr val="A4A3A4"/>
+          </p15:clr>
+        </p15:guide>
+        <p15:guide id="2" pos="2160" userDrawn="1">
+          <p15:clr>
+            <a:srgbClr val="A4A3A4"/>
+          </p15:clr>
+        </p15:guide>
+      </p15:notesGuideLst>
+    </p:ext>
   </p:extLst>
 </p:presentation>
 </file>
@@ -224,7 +238,7 @@
           </a:lstStyle>
           <a:p>
             <a:fld id="{D714DE53-0FF0-834D-91CF-C36139BF8B85}" type="datetimeFigureOut">
-              <a:t>17/9/23</a:t>
+              <a:t>30/9/23</a:t>
             </a:fld>
             <a:endParaRPr lang="es-ES"/>
           </a:p>
@@ -555,6 +569,90 @@
           <a:p>
             <a:fld id="{79E5BFC1-642C-714E-A017-257147E4A516}" type="slidenum">
               <a:rPr lang="es-ES"/>
+              <a:t>1</a:t>
+            </a:fld>
+            <a:endParaRPr lang="es-ES"/>
+          </a:p>
+        </p:txBody>
+      </p:sp>
+    </p:spTree>
+    <p:extLst>
+      <p:ext uri="{BB962C8B-B14F-4D97-AF65-F5344CB8AC3E}">
+        <p14:creationId xmlns:p14="http://schemas.microsoft.com/office/powerpoint/2010/main" val="2156517468"/>
+      </p:ext>
+    </p:extLst>
+  </p:cSld>
+  <p:clrMapOvr>
+    <a:masterClrMapping/>
+  </p:clrMapOvr>
+</p:notes>
+</file>
+
+<file path=ppt/notesSlides/notesSlide2.xml><?xml version="1.0" encoding="utf-8"?>
+<p:notes xmlns:a="http://schemas.openxmlformats.org/drawingml/2006/main" xmlns:r="http://schemas.openxmlformats.org/officeDocument/2006/relationships" xmlns:p="http://schemas.openxmlformats.org/presentationml/2006/main">
+  <p:cSld>
+    <p:spTree>
+      <p:nvGrpSpPr>
+        <p:cNvPr id="1" name=""/>
+        <p:cNvGrpSpPr/>
+        <p:nvPr/>
+      </p:nvGrpSpPr>
+      <p:grpSpPr>
+        <a:xfrm>
+          <a:off x="0" y="0"/>
+          <a:ext cx="0" cy="0"/>
+          <a:chOff x="0" y="0"/>
+          <a:chExt cx="0" cy="0"/>
+        </a:xfrm>
+      </p:grpSpPr>
+      <p:sp>
+        <p:nvSpPr>
+          <p:cNvPr id="2" name="Marcador de imagen de diapositiva 1"/>
+          <p:cNvSpPr>
+            <a:spLocks noGrp="1" noRot="1" noChangeAspect="1"/>
+          </p:cNvSpPr>
+          <p:nvPr>
+            <p:ph type="sldImg"/>
+          </p:nvPr>
+        </p:nvSpPr>
+        <p:spPr/>
+      </p:sp>
+      <p:sp>
+        <p:nvSpPr>
+          <p:cNvPr id="3" name="Marcador de notas 2"/>
+          <p:cNvSpPr>
+            <a:spLocks noGrp="1"/>
+          </p:cNvSpPr>
+          <p:nvPr>
+            <p:ph type="body" idx="1"/>
+          </p:nvPr>
+        </p:nvSpPr>
+        <p:spPr/>
+        <p:txBody>
+          <a:bodyPr/>
+          <a:lstStyle/>
+          <a:p>
+            <a:endParaRPr lang="es-ES"/>
+          </a:p>
+        </p:txBody>
+      </p:sp>
+      <p:sp>
+        <p:nvSpPr>
+          <p:cNvPr id="4" name="Marcador de número de diapositiva 3"/>
+          <p:cNvSpPr>
+            <a:spLocks noGrp="1"/>
+          </p:cNvSpPr>
+          <p:nvPr>
+            <p:ph type="sldNum" sz="quarter" idx="5"/>
+          </p:nvPr>
+        </p:nvSpPr>
+        <p:spPr/>
+        <p:txBody>
+          <a:bodyPr/>
+          <a:lstStyle/>
+          <a:p>
+            <a:fld id="{79E5BFC1-642C-714E-A017-257147E4A516}" type="slidenum">
+              <a:rPr lang="es-ES"/>
               <a:t>2</a:t>
             </a:fld>
             <a:endParaRPr lang="es-ES"/>
@@ -574,7 +672,7 @@
 </p:notes>
 </file>
 
-<file path=ppt/notesSlides/notesSlide2.xml><?xml version="1.0" encoding="utf-8"?>
+<file path=ppt/notesSlides/notesSlide3.xml><?xml version="1.0" encoding="utf-8"?>
 <p:notes xmlns:a="http://schemas.openxmlformats.org/drawingml/2006/main" xmlns:r="http://schemas.openxmlformats.org/officeDocument/2006/relationships" xmlns:p="http://schemas.openxmlformats.org/presentationml/2006/main">
   <p:cSld>
     <p:spTree>
@@ -822,7 +920,7 @@
           <a:p>
             <a:fld id="{1F5FE4B6-2C67-6846-9159-CBB0B3FB7C60}" type="datetimeFigureOut">
               <a:rPr lang="es-ES_tradnl" smtClean="0"/>
-              <a:t>17/9/23</a:t>
+              <a:t>30/9/23</a:t>
             </a:fld>
             <a:endParaRPr lang="es-ES_tradnl"/>
           </a:p>
@@ -1143,7 +1241,7 @@
           <a:p>
             <a:fld id="{1F5FE4B6-2C67-6846-9159-CBB0B3FB7C60}" type="datetimeFigureOut">
               <a:rPr lang="es-ES_tradnl" smtClean="0"/>
-              <a:t>17/9/23</a:t>
+              <a:t>30/9/23</a:t>
             </a:fld>
             <a:endParaRPr lang="es-ES_tradnl"/>
           </a:p>
@@ -1369,7 +1467,7 @@
           <a:p>
             <a:fld id="{1F5FE4B6-2C67-6846-9159-CBB0B3FB7C60}" type="datetimeFigureOut">
               <a:rPr lang="es-ES_tradnl" smtClean="0"/>
-              <a:t>17/9/23</a:t>
+              <a:t>30/9/23</a:t>
             </a:fld>
             <a:endParaRPr lang="es-ES_tradnl"/>
           </a:p>
@@ -1642,7 +1740,7 @@
           <a:p>
             <a:fld id="{1F5FE4B6-2C67-6846-9159-CBB0B3FB7C60}" type="datetimeFigureOut">
               <a:rPr lang="es-ES_tradnl" smtClean="0"/>
-              <a:t>17/9/23</a:t>
+              <a:t>30/9/23</a:t>
             </a:fld>
             <a:endParaRPr lang="es-ES_tradnl"/>
           </a:p>
@@ -1934,7 +2032,7 @@
           <a:p>
             <a:fld id="{1F5FE4B6-2C67-6846-9159-CBB0B3FB7C60}" type="datetimeFigureOut">
               <a:rPr lang="es-ES_tradnl" smtClean="0"/>
-              <a:t>17/9/23</a:t>
+              <a:t>30/9/23</a:t>
             </a:fld>
             <a:endParaRPr lang="es-ES_tradnl"/>
           </a:p>
@@ -2218,7 +2316,7 @@
           <a:p>
             <a:fld id="{1F5FE4B6-2C67-6846-9159-CBB0B3FB7C60}" type="datetimeFigureOut">
               <a:rPr lang="es-ES_tradnl" smtClean="0"/>
-              <a:t>17/9/23</a:t>
+              <a:t>30/9/23</a:t>
             </a:fld>
             <a:endParaRPr lang="es-ES_tradnl"/>
           </a:p>
@@ -2649,7 +2747,7 @@
           <a:p>
             <a:fld id="{1F5FE4B6-2C67-6846-9159-CBB0B3FB7C60}" type="datetimeFigureOut">
               <a:rPr lang="es-ES_tradnl" smtClean="0"/>
-              <a:t>17/9/23</a:t>
+              <a:t>30/9/23</a:t>
             </a:fld>
             <a:endParaRPr lang="es-ES_tradnl"/>
           </a:p>
@@ -2807,7 +2905,7 @@
           <a:p>
             <a:fld id="{1F5FE4B6-2C67-6846-9159-CBB0B3FB7C60}" type="datetimeFigureOut">
               <a:rPr lang="es-ES_tradnl" smtClean="0"/>
-              <a:t>17/9/23</a:t>
+              <a:t>30/9/23</a:t>
             </a:fld>
             <a:endParaRPr lang="es-ES_tradnl"/>
           </a:p>
@@ -2936,7 +3034,7 @@
           <a:p>
             <a:fld id="{1F5FE4B6-2C67-6846-9159-CBB0B3FB7C60}" type="datetimeFigureOut">
               <a:rPr lang="es-ES_tradnl" smtClean="0"/>
-              <a:t>17/9/23</a:t>
+              <a:t>30/9/23</a:t>
             </a:fld>
             <a:endParaRPr lang="es-ES_tradnl"/>
           </a:p>
@@ -3265,7 +3363,7 @@
           <a:p>
             <a:fld id="{1F5FE4B6-2C67-6846-9159-CBB0B3FB7C60}" type="datetimeFigureOut">
               <a:rPr lang="es-ES_tradnl" smtClean="0"/>
-              <a:t>17/9/23</a:t>
+              <a:t>30/9/23</a:t>
             </a:fld>
             <a:endParaRPr lang="es-ES_tradnl"/>
           </a:p>
@@ -3570,7 +3668,7 @@
           <a:p>
             <a:fld id="{1F5FE4B6-2C67-6846-9159-CBB0B3FB7C60}" type="datetimeFigureOut">
               <a:rPr lang="es-ES_tradnl" smtClean="0"/>
-              <a:t>17/9/23</a:t>
+              <a:t>30/9/23</a:t>
             </a:fld>
             <a:endParaRPr lang="es-ES_tradnl"/>
           </a:p>
@@ -4259,11 +4357,11 @@
           <p:nvPr/>
         </p:nvPicPr>
         <p:blipFill rotWithShape="1">
-          <a:blip r:embed="rId2">
+          <a:blip r:embed="rId3">
             <a:extLst>
               <a:ext uri="{BEBA8EAE-BF5A-486C-A8C5-ECC9F3942E4B}">
                 <a14:imgProps xmlns:a14="http://schemas.microsoft.com/office/drawing/2010/main">
-                  <a14:imgLayer r:embed="rId3">
+                  <a14:imgLayer r:embed="rId4">
                     <a14:imgEffect>
                       <a14:colorTemperature colorTemp="4700"/>
                     </a14:imgEffect>
@@ -4502,7 +4600,7 @@
           <p:nvPr/>
         </p:nvPicPr>
         <p:blipFill rotWithShape="1">
-          <a:blip r:embed="rId4"/>
+          <a:blip r:embed="rId5"/>
           <a:srcRect l="6764" t="14470" r="7513" b="14768"/>
           <a:stretch/>
         </p:blipFill>
@@ -4531,7 +4629,7 @@
           <p:nvPr/>
         </p:nvPicPr>
         <p:blipFill rotWithShape="1">
-          <a:blip r:embed="rId5"/>
+          <a:blip r:embed="rId6"/>
           <a:srcRect r="57921"/>
           <a:stretch/>
         </p:blipFill>
@@ -5171,6 +5269,102 @@
           </a:p>
         </p:txBody>
       </p:sp>
+      <p:sp>
+        <p:nvSpPr>
+          <p:cNvPr id="8" name="Google Shape;57;p8">
+            <a:extLst>
+              <a:ext uri="{FF2B5EF4-FFF2-40B4-BE49-F238E27FC236}">
+                <a16:creationId xmlns:a16="http://schemas.microsoft.com/office/drawing/2014/main" id="{6985FC6D-40A6-1B19-7C42-E75CD19D3B6B}"/>
+              </a:ext>
+            </a:extLst>
+          </p:cNvPr>
+          <p:cNvSpPr txBox="1"/>
+          <p:nvPr/>
+        </p:nvSpPr>
+        <p:spPr>
+          <a:xfrm>
+            <a:off x="1055687" y="1987806"/>
+            <a:ext cx="10080625" cy="646300"/>
+          </a:xfrm>
+          <a:prstGeom prst="rect">
+            <a:avLst/>
+          </a:prstGeom>
+          <a:noFill/>
+          <a:ln>
+            <a:noFill/>
+          </a:ln>
+        </p:spPr>
+        <p:txBody>
+          <a:bodyPr spcFirstLastPara="1" wrap="square" lIns="91425" tIns="91425" rIns="91425" bIns="91425" anchor="t" anchorCtr="0">
+            <a:spAutoFit/>
+          </a:bodyPr>
+          <a:lstStyle/>
+          <a:p>
+            <a:r>
+              <a:rPr lang="es-ES" sz="3000">
+                <a:latin typeface="Calibri"/>
+                <a:ea typeface="Calibri"/>
+                <a:cs typeface="Calibri"/>
+                <a:sym typeface="Calibri"/>
+              </a:rPr>
+              <a:t>#content</a:t>
+            </a:r>
+            <a:endParaRPr sz="3000">
+              <a:latin typeface="Calibri"/>
+              <a:ea typeface="Calibri"/>
+              <a:cs typeface="Calibri"/>
+              <a:sym typeface="Calibri"/>
+            </a:endParaRPr>
+          </a:p>
+        </p:txBody>
+      </p:sp>
+      <p:pic>
+        <p:nvPicPr>
+          <p:cNvPr id="1026" name="SAMPLE_IMAGE" descr="StampRSimp2Red - arte vectorial de Sello de caucho libre de derechos">
+            <a:extLst>
+              <a:ext uri="{FF2B5EF4-FFF2-40B4-BE49-F238E27FC236}">
+                <a16:creationId xmlns:a16="http://schemas.microsoft.com/office/drawing/2014/main" id="{24C2EDF7-1790-DC72-52D6-02ABE96EFB6B}"/>
+              </a:ext>
+            </a:extLst>
+          </p:cNvPr>
+          <p:cNvPicPr>
+            <a:picLocks noChangeAspect="1" noChangeArrowheads="1"/>
+          </p:cNvPicPr>
+          <p:nvPr/>
+        </p:nvPicPr>
+        <p:blipFill>
+          <a:blip r:embed="rId3">
+            <a:extLst>
+              <a:ext uri="{28A0092B-C50C-407E-A947-70E740481C1C}">
+                <a14:useLocalDpi xmlns:a14="http://schemas.microsoft.com/office/drawing/2010/main" val="0"/>
+              </a:ext>
+            </a:extLst>
+          </a:blip>
+          <a:srcRect/>
+          <a:stretch>
+            <a:fillRect/>
+          </a:stretch>
+        </p:blipFill>
+        <p:spPr bwMode="auto">
+          <a:xfrm>
+            <a:off x="4367700" y="3062456"/>
+            <a:ext cx="3959999" cy="2637557"/>
+          </a:xfrm>
+          <a:prstGeom prst="rect">
+            <a:avLst/>
+          </a:prstGeom>
+          <a:noFill/>
+          <a:extLst>
+            <a:ext uri="{909E8E84-426E-40DD-AFC4-6F175D3DCCD1}">
+              <a14:hiddenFill xmlns:a14="http://schemas.microsoft.com/office/drawing/2010/main">
+                <a:solidFill>
+                  <a:srgbClr val="FFFFFF"/>
+                </a:solidFill>
+              </a14:hiddenFill>
+            </a:ext>
+          </a:extLst>
+        </p:spPr>
+      </p:pic>
     </p:spTree>
     <p:extLst>
       <p:ext uri="{BB962C8B-B14F-4D97-AF65-F5344CB8AC3E}">
